--- a/docs/mse800_assess2.pptx
+++ b/docs/mse800_assess2.pptx
@@ -149,7 +149,7 @@
 <file path=ppt/revisionInfo.xml><?xml version="1.0" encoding="utf-8"?>
 <p1510:revInfo xmlns:a="http://schemas.openxmlformats.org/drawingml/2006/main" xmlns:r="http://schemas.openxmlformats.org/officeDocument/2006/relationships" xmlns:p1510="http://schemas.microsoft.com/office/powerpoint/2015/10/main">
   <p1510:revLst>
-    <p1510:client id="{1F40D8ED-0E8C-5841-1814-2F9D8CFD81FF}" v="2525" dt="2024-10-28T06:24:12.984"/>
+    <p1510:client id="{1F40D8ED-0E8C-5841-1814-2F9D8CFD81FF}" v="2551" dt="2024-10-28T06:30:22.133"/>
     <p1510:client id="{BA0A8563-B4B2-F8DC-2D34-4981E27BD94A}" v="747" dt="2024-10-26T08:18:44.322"/>
     <p1510:client id="{FC8E56B6-FB8B-CC58-22AF-6B0336DAB8DB}" v="612" dt="2024-10-27T04:57:27.408"/>
   </p1510:revLst>
@@ -11661,7 +11661,7 @@
             </a:endParaRPr>
           </a:p>
           <a:p>
-            <a:pPr algn="just">
+            <a:pPr marL="571500" lvl="1" algn="just">
               <a:buFont typeface="Arial,Sans-Serif"/>
               <a:buChar char="•"/>
             </a:pPr>
@@ -11672,6 +11672,62 @@
                 <a:cs typeface="Calibri"/>
               </a:rPr>
               <a:t>Tour browsing: show computed average rating, tour management</a:t>
+            </a:r>
+          </a:p>
+          <a:p>
+            <a:pPr marL="571500" lvl="1" algn="just">
+              <a:buFont typeface="Arial,Sans-Serif"/>
+              <a:buChar char="•"/>
+            </a:pPr>
+            <a:r>
+              <a:rPr lang="en-US" sz="1100">
+                <a:latin typeface="Aptos"/>
+                <a:ea typeface="Calibri"/>
+                <a:cs typeface="Calibri"/>
+              </a:rPr>
+              <a:t>Tour review: 1 rating from 1 to 5, customer comments/recommendations</a:t>
+            </a:r>
+          </a:p>
+          <a:p>
+            <a:pPr marL="571500" lvl="1" algn="just">
+              <a:buFont typeface="Arial,Sans-Serif"/>
+              <a:buChar char="•"/>
+            </a:pPr>
+            <a:r>
+              <a:rPr lang="en-US" sz="1100">
+                <a:latin typeface="Aptos"/>
+                <a:ea typeface="Calibri"/>
+                <a:cs typeface="Calibri"/>
+              </a:rPr>
+              <a:t>Admin Interface: report generation</a:t>
+            </a:r>
+          </a:p>
+          <a:p>
+            <a:pPr marL="571500" lvl="1" algn="just">
+              <a:buFont typeface="Arial,Sans-Serif"/>
+              <a:buChar char="•"/>
+            </a:pPr>
+            <a:r>
+              <a:rPr lang="en-US" sz="1100">
+                <a:latin typeface="Aptos"/>
+                <a:ea typeface="Calibri"/>
+                <a:cs typeface="Calibri"/>
+              </a:rPr>
+              <a:t>System Monitoring &amp; Reporting: system performance, monitor error logs, booking report and analytics</a:t>
+            </a:r>
+            <a:endParaRPr lang="en-US"/>
+          </a:p>
+          <a:p>
+            <a:pPr algn="just">
+              <a:buNone/>
+            </a:pPr>
+            <a:r>
+              <a:rPr lang="en-US" sz="1100" b="1">
+                <a:latin typeface="Aptos"/>
+                <a:ea typeface="Calibri"/>
+                <a:cs typeface="Calibri"/>
+              </a:rPr>
+              <a:t>Release 3:</a:t>
             </a:r>
             <a:endParaRPr lang="en-US" sz="1100" dirty="0">
               <a:latin typeface="Aptos"/>
@@ -11680,7 +11736,7 @@
             </a:endParaRPr>
           </a:p>
           <a:p>
-            <a:pPr algn="just">
+            <a:pPr marL="571500" lvl="1" algn="just">
               <a:buFont typeface="Arial,Sans-Serif"/>
               <a:buChar char="•"/>
             </a:pPr>
@@ -11690,16 +11746,11 @@
                 <a:ea typeface="Calibri"/>
                 <a:cs typeface="Calibri"/>
               </a:rPr>
-              <a:t>Tour review: 1 rating from 1 to 5, customer comments/recommendations</a:t>
-            </a:r>
-            <a:endParaRPr lang="en-US" sz="1100" dirty="0">
-              <a:latin typeface="Aptos"/>
-              <a:ea typeface="Calibri"/>
-              <a:cs typeface="Calibri"/>
-            </a:endParaRPr>
-          </a:p>
-          <a:p>
-            <a:pPr algn="just">
+              <a:t>System integration</a:t>
+            </a:r>
+          </a:p>
+          <a:p>
+            <a:pPr marL="571500" lvl="1" algn="just">
               <a:buFont typeface="Arial,Sans-Serif"/>
               <a:buChar char="•"/>
             </a:pPr>
@@ -11709,87 +11760,8 @@
                 <a:ea typeface="Calibri"/>
                 <a:cs typeface="Calibri"/>
               </a:rPr>
-              <a:t>Admin Interface: report generation</a:t>
-            </a:r>
-            <a:endParaRPr lang="en-US" sz="1100" dirty="0">
-              <a:latin typeface="Aptos"/>
-              <a:ea typeface="Calibri"/>
-              <a:cs typeface="Calibri"/>
-            </a:endParaRPr>
-          </a:p>
-          <a:p>
-            <a:pPr indent="0" algn="just">
-              <a:buNone/>
-            </a:pPr>
-            <a:r>
-              <a:rPr lang="en-US" sz="1100">
-                <a:latin typeface="Aptos"/>
-                <a:ea typeface="Calibri"/>
-                <a:cs typeface="Calibri"/>
-              </a:rPr>
-              <a:t>System Monitoring &amp; Reporting: system performance, monitor error logs, booking report and analytics</a:t>
-            </a:r>
-            <a:endParaRPr lang="en-US" sz="1100" dirty="0">
-              <a:latin typeface="Aptos"/>
-              <a:ea typeface="Calibri"/>
-              <a:cs typeface="Calibri"/>
-            </a:endParaRPr>
-          </a:p>
-          <a:p>
-            <a:pPr algn="just">
-              <a:buNone/>
-            </a:pPr>
-            <a:r>
-              <a:rPr lang="en-US" sz="1100" b="1">
-                <a:latin typeface="Aptos"/>
-                <a:ea typeface="Calibri"/>
-                <a:cs typeface="Calibri"/>
-              </a:rPr>
-              <a:t>Release 3:</a:t>
-            </a:r>
-            <a:endParaRPr lang="en-US" sz="1100" dirty="0">
-              <a:latin typeface="Aptos"/>
-              <a:ea typeface="Calibri"/>
-              <a:cs typeface="Calibri"/>
-            </a:endParaRPr>
-          </a:p>
-          <a:p>
-            <a:pPr algn="just">
-              <a:buFont typeface="Arial,Sans-Serif"/>
-              <a:buChar char="•"/>
-            </a:pPr>
-            <a:r>
-              <a:rPr lang="en-US" sz="1100">
-                <a:latin typeface="Aptos"/>
-                <a:ea typeface="Calibri"/>
-                <a:cs typeface="Calibri"/>
-              </a:rPr>
-              <a:t>System integration</a:t>
-            </a:r>
-            <a:endParaRPr lang="en-US" sz="1100" dirty="0">
-              <a:latin typeface="Aptos"/>
-              <a:ea typeface="Calibri"/>
-              <a:cs typeface="Calibri"/>
-            </a:endParaRPr>
-          </a:p>
-          <a:p>
-            <a:pPr algn="just">
-              <a:buFont typeface="Arial,Sans-Serif"/>
-              <a:buChar char="•"/>
-            </a:pPr>
-            <a:r>
-              <a:rPr lang="en-US" sz="1100">
-                <a:latin typeface="Aptos"/>
-                <a:ea typeface="Calibri"/>
-                <a:cs typeface="Calibri"/>
-              </a:rPr>
               <a:t>API for third-party integrations</a:t>
             </a:r>
-            <a:endParaRPr lang="en-US" sz="1100" dirty="0">
-              <a:latin typeface="Aptos"/>
-              <a:ea typeface="Calibri"/>
-              <a:cs typeface="Calibri"/>
-            </a:endParaRPr>
           </a:p>
         </p:txBody>
       </p:sp>
@@ -18325,7 +18297,7 @@
         </p:nvSpPr>
         <p:spPr>
           <a:xfrm>
-            <a:off x="448966" y="1632989"/>
+            <a:off x="448966" y="1498052"/>
             <a:ext cx="8246070" cy="3359508"/>
           </a:xfrm>
         </p:spPr>
@@ -18718,7 +18690,7 @@
         </p:nvSpPr>
         <p:spPr>
           <a:xfrm>
-            <a:off x="448966" y="1553614"/>
+            <a:off x="448966" y="1442489"/>
             <a:ext cx="8246070" cy="3359508"/>
           </a:xfrm>
         </p:spPr>

--- a/docs/mse800_assess2.pptx
+++ b/docs/mse800_assess2.pptx
@@ -149,7 +149,7 @@
 <file path=ppt/revisionInfo.xml><?xml version="1.0" encoding="utf-8"?>
 <p1510:revInfo xmlns:a="http://schemas.openxmlformats.org/drawingml/2006/main" xmlns:r="http://schemas.openxmlformats.org/officeDocument/2006/relationships" xmlns:p1510="http://schemas.microsoft.com/office/powerpoint/2015/10/main">
   <p1510:revLst>
-    <p1510:client id="{1F40D8ED-0E8C-5841-1814-2F9D8CFD81FF}" v="2551" dt="2024-10-28T06:30:22.133"/>
+    <p1510:client id="{1F40D8ED-0E8C-5841-1814-2F9D8CFD81FF}" v="2559" dt="2024-10-28T06:32:25.855"/>
     <p1510:client id="{BA0A8563-B4B2-F8DC-2D34-4981E27BD94A}" v="747" dt="2024-10-26T08:18:44.322"/>
     <p1510:client id="{FC8E56B6-FB8B-CC58-22AF-6B0336DAB8DB}" v="612" dt="2024-10-27T04:57:27.408"/>
   </p1510:revLst>
@@ -4099,11 +4099,11 @@
           </a:p>
           <a:p>
             <a:r>
-              <a:rPr lang="en-US" sz="1600" dirty="0">
+              <a:rPr lang="en-US" sz="1600">
                 <a:ea typeface="+mn-lt"/>
                 <a:cs typeface="+mn-lt"/>
               </a:rPr>
-              <a:t>MSE800 – Professional Software Engineering</a:t>
+              <a:t>MSE800 (Professional Software Engineering)</a:t>
             </a:r>
           </a:p>
           <a:p>
@@ -17452,7 +17452,7 @@
         </p:nvSpPr>
         <p:spPr>
           <a:xfrm>
-            <a:off x="440730" y="1805480"/>
+            <a:off x="440730" y="1908668"/>
             <a:ext cx="8246070" cy="1042857"/>
           </a:xfrm>
         </p:spPr>

--- a/docs/mse800_assess2.pptx
+++ b/docs/mse800_assess2.pptx
@@ -5,7 +5,7 @@
     <p:sldMasterId id="2147483648" r:id="rId1"/>
   </p:sldMasterIdLst>
   <p:notesMasterIdLst>
-    <p:notesMasterId r:id="rId23"/>
+    <p:notesMasterId r:id="rId24"/>
   </p:notesMasterIdLst>
   <p:sldIdLst>
     <p:sldId id="256" r:id="rId2"/>
@@ -28,7 +28,8 @@
     <p:sldId id="292" r:id="rId19"/>
     <p:sldId id="293" r:id="rId20"/>
     <p:sldId id="294" r:id="rId21"/>
-    <p:sldId id="271" r:id="rId22"/>
+    <p:sldId id="297" r:id="rId22"/>
+    <p:sldId id="271" r:id="rId23"/>
   </p:sldIdLst>
   <p:sldSz cx="9144000" cy="5143500" type="screen16x9"/>
   <p:notesSz cx="6858000" cy="9144000"/>
@@ -149,8 +150,7 @@
 <file path=ppt/revisionInfo.xml><?xml version="1.0" encoding="utf-8"?>
 <p1510:revInfo xmlns:a="http://schemas.openxmlformats.org/drawingml/2006/main" xmlns:r="http://schemas.openxmlformats.org/officeDocument/2006/relationships" xmlns:p1510="http://schemas.microsoft.com/office/powerpoint/2015/10/main">
   <p1510:revLst>
-    <p1510:client id="{1F40D8ED-0E8C-5841-1814-2F9D8CFD81FF}" v="2559" dt="2024-10-28T06:32:25.855"/>
-    <p1510:client id="{BA0A8563-B4B2-F8DC-2D34-4981E27BD94A}" v="747" dt="2024-10-26T08:18:44.322"/>
+    <p1510:client id="{1F40D8ED-0E8C-5841-1814-2F9D8CFD81FF}" v="2862" dt="2024-10-29T04:56:51.540"/>
     <p1510:client id="{FC8E56B6-FB8B-CC58-22AF-6B0336DAB8DB}" v="612" dt="2024-10-27T04:57:27.408"/>
   </p1510:revLst>
 </p1510:revInfo>
@@ -238,7 +238,7 @@
           <a:p>
             <a:fld id="{C8D18E60-4300-4729-A0D7-6AB984C3922D}" type="datetimeFigureOut">
               <a:rPr lang="en-US" smtClean="0"/>
-              <a:t>10/27/2024</a:t>
+              <a:t>10/28/2024</a:t>
             </a:fld>
             <a:endParaRPr lang="en-US"/>
           </a:p>
@@ -724,7 +724,7 @@
             <a:fld id="{53074F12-AA26-4AC8-9962-C36BB8F32554}" type="datetimeFigureOut">
               <a:rPr lang="en-US" smtClean="0"/>
               <a:pPr/>
-              <a:t>10/27/2024</a:t>
+              <a:t>10/28/2024</a:t>
             </a:fld>
             <a:endParaRPr lang="en-US"/>
           </a:p>
@@ -978,7 +978,7 @@
             <a:fld id="{53074F12-AA26-4AC8-9962-C36BB8F32554}" type="datetimeFigureOut">
               <a:rPr lang="en-US" smtClean="0"/>
               <a:pPr/>
-              <a:t>10/27/2024</a:t>
+              <a:t>10/28/2024</a:t>
             </a:fld>
             <a:endParaRPr lang="en-US"/>
           </a:p>
@@ -1148,7 +1148,7 @@
             <a:fld id="{53074F12-AA26-4AC8-9962-C36BB8F32554}" type="datetimeFigureOut">
               <a:rPr lang="en-US" smtClean="0"/>
               <a:pPr/>
-              <a:t>10/27/2024</a:t>
+              <a:t>10/28/2024</a:t>
             </a:fld>
             <a:endParaRPr lang="en-US"/>
           </a:p>
@@ -1328,7 +1328,7 @@
             <a:fld id="{53074F12-AA26-4AC8-9962-C36BB8F32554}" type="datetimeFigureOut">
               <a:rPr lang="en-US" smtClean="0"/>
               <a:pPr/>
-              <a:t>10/27/2024</a:t>
+              <a:t>10/28/2024</a:t>
             </a:fld>
             <a:endParaRPr lang="en-US"/>
           </a:p>
@@ -1610,7 +1610,7 @@
             <a:fld id="{53074F12-AA26-4AC8-9962-C36BB8F32554}" type="datetimeFigureOut">
               <a:rPr lang="en-US" smtClean="0"/>
               <a:pPr/>
-              <a:t>10/27/2024</a:t>
+              <a:t>10/28/2024</a:t>
             </a:fld>
             <a:endParaRPr lang="en-US"/>
           </a:p>
@@ -1857,7 +1857,7 @@
             <a:fld id="{53074F12-AA26-4AC8-9962-C36BB8F32554}" type="datetimeFigureOut">
               <a:rPr lang="en-US" smtClean="0"/>
               <a:pPr/>
-              <a:t>10/27/2024</a:t>
+              <a:t>10/28/2024</a:t>
             </a:fld>
             <a:endParaRPr lang="en-US"/>
           </a:p>
@@ -2104,7 +2104,7 @@
             <a:fld id="{53074F12-AA26-4AC8-9962-C36BB8F32554}" type="datetimeFigureOut">
               <a:rPr lang="en-US" smtClean="0"/>
               <a:pPr/>
-              <a:t>10/27/2024</a:t>
+              <a:t>10/28/2024</a:t>
             </a:fld>
             <a:endParaRPr lang="en-US"/>
           </a:p>
@@ -2391,7 +2391,7 @@
             <a:fld id="{53074F12-AA26-4AC8-9962-C36BB8F32554}" type="datetimeFigureOut">
               <a:rPr lang="en-US" smtClean="0"/>
               <a:pPr/>
-              <a:t>10/27/2024</a:t>
+              <a:t>10/28/2024</a:t>
             </a:fld>
             <a:endParaRPr lang="en-US"/>
           </a:p>
@@ -2878,7 +2878,7 @@
             <a:fld id="{53074F12-AA26-4AC8-9962-C36BB8F32554}" type="datetimeFigureOut">
               <a:rPr lang="en-US" smtClean="0"/>
               <a:pPr/>
-              <a:t>10/27/2024</a:t>
+              <a:t>10/28/2024</a:t>
             </a:fld>
             <a:endParaRPr lang="en-US"/>
           </a:p>
@@ -2997,7 +2997,7 @@
             <a:fld id="{53074F12-AA26-4AC8-9962-C36BB8F32554}" type="datetimeFigureOut">
               <a:rPr lang="en-US" smtClean="0"/>
               <a:pPr/>
-              <a:t>10/27/2024</a:t>
+              <a:t>10/28/2024</a:t>
             </a:fld>
             <a:endParaRPr lang="en-US"/>
           </a:p>
@@ -3094,7 +3094,7 @@
             <a:fld id="{53074F12-AA26-4AC8-9962-C36BB8F32554}" type="datetimeFigureOut">
               <a:rPr lang="en-US" smtClean="0"/>
               <a:pPr/>
-              <a:t>10/27/2024</a:t>
+              <a:t>10/28/2024</a:t>
             </a:fld>
             <a:endParaRPr lang="en-US"/>
           </a:p>
@@ -3371,7 +3371,7 @@
             <a:fld id="{53074F12-AA26-4AC8-9962-C36BB8F32554}" type="datetimeFigureOut">
               <a:rPr lang="en-US" smtClean="0"/>
               <a:pPr/>
-              <a:t>10/27/2024</a:t>
+              <a:t>10/28/2024</a:t>
             </a:fld>
             <a:endParaRPr lang="en-US"/>
           </a:p>
@@ -3593,7 +3593,7 @@
             <a:fld id="{53074F12-AA26-4AC8-9962-C36BB8F32554}" type="datetimeFigureOut">
               <a:rPr lang="en-US" smtClean="0"/>
               <a:pPr/>
-              <a:t>10/27/2024</a:t>
+              <a:t>10/28/2024</a:t>
             </a:fld>
             <a:endParaRPr lang="en-US"/>
           </a:p>
@@ -11954,7 +11954,7 @@
                     </a:p>
                   </a:txBody>
                   <a:tcPr marL="66675" marR="66675" anchor="ctr">
-                    <a:lnL w="9525" cap="flat" cmpd="sng" algn="ctr">
+                    <a:lnL w="9524" cap="flat" cmpd="sng" algn="ctr">
                       <a:solidFill>
                         <a:srgbClr val="000000"/>
                       </a:solidFill>
@@ -12131,7 +12131,7 @@
                     </a:p>
                   </a:txBody>
                   <a:tcPr marL="66675" marR="66675" anchor="ctr">
-                    <a:lnL w="9525" cap="flat" cmpd="sng" algn="ctr">
+                    <a:lnL w="9524" cap="flat" cmpd="sng" algn="ctr">
                       <a:solidFill>
                         <a:srgbClr val="000000"/>
                       </a:solidFill>
@@ -12305,7 +12305,7 @@
                     </a:p>
                   </a:txBody>
                   <a:tcPr marL="66675" marR="66675" anchor="ctr">
-                    <a:lnL w="9525" cap="flat" cmpd="sng" algn="ctr">
+                    <a:lnL w="9524" cap="flat" cmpd="sng" algn="ctr">
                       <a:solidFill>
                         <a:srgbClr val="000000"/>
                       </a:solidFill>
@@ -12479,7 +12479,7 @@
                     </a:p>
                   </a:txBody>
                   <a:tcPr marL="66675" marR="66675" anchor="ctr">
-                    <a:lnL w="9525" cap="flat" cmpd="sng" algn="ctr">
+                    <a:lnL w="9524" cap="flat" cmpd="sng" algn="ctr">
                       <a:solidFill>
                         <a:srgbClr val="000000"/>
                       </a:solidFill>
@@ -12656,7 +12656,7 @@
                     </a:p>
                   </a:txBody>
                   <a:tcPr marL="66675" marR="66675" anchor="ctr">
-                    <a:lnL w="9525" cap="flat" cmpd="sng" algn="ctr">
+                    <a:lnL w="9524" cap="flat" cmpd="sng" algn="ctr">
                       <a:solidFill>
                         <a:srgbClr val="000000"/>
                       </a:solidFill>
@@ -12830,7 +12830,7 @@
                     </a:p>
                   </a:txBody>
                   <a:tcPr marL="66675" marR="66675" anchor="ctr">
-                    <a:lnL w="9525" cap="flat" cmpd="sng" algn="ctr">
+                    <a:lnL w="9524" cap="flat" cmpd="sng" algn="ctr">
                       <a:solidFill>
                         <a:srgbClr val="000000"/>
                       </a:solidFill>
@@ -13004,7 +13004,7 @@
                     </a:p>
                   </a:txBody>
                   <a:tcPr marL="66675" marR="66675" anchor="ctr">
-                    <a:lnL w="9525" cap="flat" cmpd="sng" algn="ctr">
+                    <a:lnL w="9524" cap="flat" cmpd="sng" algn="ctr">
                       <a:solidFill>
                         <a:srgbClr val="000000"/>
                       </a:solidFill>
@@ -13181,7 +13181,7 @@
                     </a:p>
                   </a:txBody>
                   <a:tcPr marL="66675" marR="66675" anchor="ctr">
-                    <a:lnL w="9525" cap="flat" cmpd="sng" algn="ctr">
+                    <a:lnL w="9524" cap="flat" cmpd="sng" algn="ctr">
                       <a:solidFill>
                         <a:srgbClr val="000000"/>
                       </a:solidFill>
@@ -13355,7 +13355,7 @@
                     </a:p>
                   </a:txBody>
                   <a:tcPr marL="66675" marR="66675" anchor="ctr">
-                    <a:lnL w="9525" cap="flat" cmpd="sng" algn="ctr">
+                    <a:lnL w="9524" cap="flat" cmpd="sng" algn="ctr">
                       <a:solidFill>
                         <a:srgbClr val="000000"/>
                       </a:solidFill>
@@ -13532,7 +13532,7 @@
                     </a:p>
                   </a:txBody>
                   <a:tcPr marL="66675" marR="66675" anchor="ctr">
-                    <a:lnL w="9525" cap="flat" cmpd="sng" algn="ctr">
+                    <a:lnL w="9524" cap="flat" cmpd="sng" algn="ctr">
                       <a:solidFill>
                         <a:srgbClr val="000000"/>
                       </a:solidFill>
@@ -13706,7 +13706,7 @@
                     </a:p>
                   </a:txBody>
                   <a:tcPr marL="66675" marR="66675" anchor="ctr">
-                    <a:lnL w="9525" cap="flat" cmpd="sng" algn="ctr">
+                    <a:lnL w="9524" cap="flat" cmpd="sng" algn="ctr">
                       <a:solidFill>
                         <a:srgbClr val="000000"/>
                       </a:solidFill>
@@ -17424,6 +17424,309 @@
 </file>
 
 <file path=ppt/slides/slide21.xml><?xml version="1.0" encoding="utf-8"?>
+<p:sld xmlns:a="http://schemas.openxmlformats.org/drawingml/2006/main" xmlns:r="http://schemas.openxmlformats.org/officeDocument/2006/relationships" xmlns:p="http://schemas.openxmlformats.org/presentationml/2006/main">
+  <p:cSld>
+    <p:spTree>
+      <p:nvGrpSpPr>
+        <p:cNvPr id="1" name=""/>
+        <p:cNvGrpSpPr/>
+        <p:nvPr/>
+      </p:nvGrpSpPr>
+      <p:grpSpPr>
+        <a:xfrm>
+          <a:off x="0" y="0"/>
+          <a:ext cx="0" cy="0"/>
+          <a:chOff x="0" y="0"/>
+          <a:chExt cx="0" cy="0"/>
+        </a:xfrm>
+      </p:grpSpPr>
+      <p:sp>
+        <p:nvSpPr>
+          <p:cNvPr id="2" name="Title 1"/>
+          <p:cNvSpPr>
+            <a:spLocks noGrp="1"/>
+          </p:cNvSpPr>
+          <p:nvPr>
+            <p:ph type="title"/>
+          </p:nvPr>
+        </p:nvSpPr>
+        <p:spPr/>
+        <p:txBody>
+          <a:bodyPr>
+            <a:normAutofit/>
+          </a:bodyPr>
+          <a:lstStyle/>
+          <a:p>
+            <a:r>
+              <a:rPr lang="en-US"/>
+              <a:t>Reflection</a:t>
+            </a:r>
+            <a:endParaRPr lang="en-US" dirty="0"/>
+          </a:p>
+        </p:txBody>
+      </p:sp>
+      <p:sp>
+        <p:nvSpPr>
+          <p:cNvPr id="3" name="Content Placeholder 2"/>
+          <p:cNvSpPr>
+            <a:spLocks noGrp="1"/>
+          </p:cNvSpPr>
+          <p:nvPr>
+            <p:ph idx="1"/>
+          </p:nvPr>
+        </p:nvSpPr>
+        <p:spPr>
+          <a:xfrm>
+            <a:off x="448966" y="1632989"/>
+            <a:ext cx="8246070" cy="3359508"/>
+          </a:xfrm>
+        </p:spPr>
+        <p:txBody>
+          <a:bodyPr vert="horz" lIns="91440" tIns="45720" rIns="91440" bIns="45720" rtlCol="0" anchor="t">
+            <a:noAutofit/>
+          </a:bodyPr>
+          <a:lstStyle/>
+          <a:p>
+            <a:pPr>
+              <a:buNone/>
+            </a:pPr>
+            <a:r>
+              <a:rPr lang="en-US" sz="1200" b="1">
+                <a:latin typeface="Aptos"/>
+                <a:cs typeface="Calibri"/>
+              </a:rPr>
+              <a:t>Key Takeaways:</a:t>
+            </a:r>
+            <a:endParaRPr lang="en-US" b="1">
+              <a:latin typeface="Calibri"/>
+              <a:cs typeface="Calibri"/>
+            </a:endParaRPr>
+          </a:p>
+          <a:p>
+            <a:pPr marL="0" indent="0">
+              <a:spcBef>
+                <a:spcPts val="0"/>
+              </a:spcBef>
+              <a:buNone/>
+            </a:pPr>
+            <a:r>
+              <a:rPr lang="en-US" sz="1200">
+                <a:latin typeface="Aptos"/>
+                <a:cs typeface="Calibri"/>
+              </a:rPr>
+              <a:t>This system development project has allowed the team to put in practice key elements that are essential for project success:</a:t>
+            </a:r>
+            <a:endParaRPr lang="en-US">
+              <a:latin typeface="Calibri"/>
+              <a:cs typeface="Calibri"/>
+            </a:endParaRPr>
+          </a:p>
+          <a:p>
+            <a:pPr marL="571500" lvl="1" indent="-171450">
+              <a:spcBef>
+                <a:spcPts val="0"/>
+              </a:spcBef>
+              <a:buFont typeface="Arial" pitchFamily="34" charset="0"/>
+              <a:buChar char="•"/>
+            </a:pPr>
+            <a:r>
+              <a:rPr lang="en-US" sz="1200">
+                <a:latin typeface="Aptos"/>
+                <a:cs typeface="Calibri"/>
+              </a:rPr>
+              <a:t>Clear</a:t>
+            </a:r>
+            <a:r>
+              <a:rPr lang="en-US" sz="1200">
+                <a:latin typeface="Aptos"/>
+                <a:ea typeface="+mn-lt"/>
+                <a:cs typeface="+mn-lt"/>
+              </a:rPr>
+              <a:t> and thorough requirements gathering</a:t>
+            </a:r>
+            <a:endParaRPr lang="en-US">
+              <a:latin typeface="Calibri"/>
+              <a:ea typeface="+mn-lt"/>
+              <a:cs typeface="+mn-lt"/>
+            </a:endParaRPr>
+          </a:p>
+          <a:p>
+            <a:pPr marL="571500" lvl="1" indent="-171450">
+              <a:spcBef>
+                <a:spcPts val="0"/>
+              </a:spcBef>
+              <a:buFont typeface="Arial" pitchFamily="34" charset="0"/>
+              <a:buChar char="•"/>
+            </a:pPr>
+            <a:r>
+              <a:rPr lang="en-US" sz="1200">
+                <a:latin typeface="Aptos"/>
+                <a:ea typeface="+mn-lt"/>
+                <a:cs typeface="+mn-lt"/>
+              </a:rPr>
+              <a:t>Importance of stakeholder engagement &amp; customer-centric focus</a:t>
+            </a:r>
+          </a:p>
+          <a:p>
+            <a:pPr marL="571500" lvl="1" indent="-171450">
+              <a:spcBef>
+                <a:spcPts val="0"/>
+              </a:spcBef>
+              <a:buFont typeface="Arial" pitchFamily="34" charset="0"/>
+              <a:buChar char="•"/>
+            </a:pPr>
+            <a:r>
+              <a:rPr lang="en-US" sz="1200">
+                <a:latin typeface="Aptos"/>
+                <a:ea typeface="+mn-lt"/>
+                <a:cs typeface="+mn-lt"/>
+              </a:rPr>
+              <a:t>Realistic planning and scheduling</a:t>
+            </a:r>
+          </a:p>
+          <a:p>
+            <a:pPr marL="571500" lvl="1" indent="-171450">
+              <a:spcBef>
+                <a:spcPts val="0"/>
+              </a:spcBef>
+              <a:buFont typeface="Arial" pitchFamily="34" charset="0"/>
+              <a:buChar char="•"/>
+            </a:pPr>
+            <a:r>
+              <a:rPr lang="en-US" sz="1200">
+                <a:latin typeface="Aptos"/>
+                <a:ea typeface="+mn-lt"/>
+                <a:cs typeface="+mn-lt"/>
+              </a:rPr>
+              <a:t>Early and frequent delivery of value</a:t>
+            </a:r>
+          </a:p>
+          <a:p>
+            <a:pPr marL="571500" lvl="1" indent="-171450">
+              <a:spcBef>
+                <a:spcPts val="0"/>
+              </a:spcBef>
+              <a:buFont typeface="Arial" pitchFamily="34" charset="0"/>
+              <a:buChar char="•"/>
+            </a:pPr>
+            <a:r>
+              <a:rPr lang="en-US" sz="1200">
+                <a:latin typeface="Aptos"/>
+                <a:ea typeface="+mn-lt"/>
+                <a:cs typeface="+mn-lt"/>
+              </a:rPr>
+              <a:t>Quality assurance and testing</a:t>
+            </a:r>
+            <a:endParaRPr lang="en-US">
+              <a:latin typeface="Calibri"/>
+              <a:ea typeface="+mn-lt"/>
+              <a:cs typeface="+mn-lt"/>
+            </a:endParaRPr>
+          </a:p>
+          <a:p>
+            <a:pPr marL="571500" lvl="1" indent="-171450">
+              <a:spcBef>
+                <a:spcPts val="0"/>
+              </a:spcBef>
+              <a:buFont typeface="Arial" pitchFamily="34" charset="0"/>
+              <a:buChar char="•"/>
+            </a:pPr>
+            <a:r>
+              <a:rPr lang="en-US" sz="1200">
+                <a:latin typeface="Aptos"/>
+                <a:ea typeface="+mn-lt"/>
+                <a:cs typeface="+mn-lt"/>
+              </a:rPr>
+              <a:t>Risk management and early issue resolution</a:t>
+            </a:r>
+            <a:endParaRPr lang="en-US">
+              <a:latin typeface="Calibri"/>
+              <a:ea typeface="+mn-lt"/>
+              <a:cs typeface="+mn-lt"/>
+            </a:endParaRPr>
+          </a:p>
+          <a:p>
+            <a:pPr marL="571500" lvl="1" indent="-171450">
+              <a:spcBef>
+                <a:spcPts val="0"/>
+              </a:spcBef>
+              <a:buFont typeface="Arial" pitchFamily="34" charset="0"/>
+              <a:buChar char="•"/>
+            </a:pPr>
+            <a:r>
+              <a:rPr lang="en-US" sz="1200">
+                <a:latin typeface="Aptos"/>
+                <a:ea typeface="+mn-lt"/>
+                <a:cs typeface="+mn-lt"/>
+              </a:rPr>
+              <a:t>Efficient communication and collaborativer approach</a:t>
+            </a:r>
+            <a:endParaRPr lang="en-US">
+              <a:latin typeface="Calibri"/>
+              <a:ea typeface="+mn-lt"/>
+              <a:cs typeface="+mn-lt"/>
+            </a:endParaRPr>
+          </a:p>
+          <a:p>
+            <a:pPr marL="571500" lvl="1" indent="-171450">
+              <a:spcBef>
+                <a:spcPts val="0"/>
+              </a:spcBef>
+              <a:buFont typeface="Arial" pitchFamily="34" charset="0"/>
+              <a:buChar char="•"/>
+            </a:pPr>
+            <a:r>
+              <a:rPr lang="en-US" sz="1200">
+                <a:latin typeface="Aptos"/>
+                <a:ea typeface="+mn-lt"/>
+                <a:cs typeface="+mn-lt"/>
+              </a:rPr>
+              <a:t>Adaptability to change</a:t>
+            </a:r>
+            <a:endParaRPr lang="en-US">
+              <a:latin typeface="Calibri"/>
+              <a:ea typeface="+mn-lt"/>
+              <a:cs typeface="+mn-lt"/>
+            </a:endParaRPr>
+          </a:p>
+          <a:p>
+            <a:pPr marL="571500" lvl="1" indent="-171450">
+              <a:spcBef>
+                <a:spcPts val="0"/>
+              </a:spcBef>
+              <a:buFont typeface="Arial" pitchFamily="34" charset="0"/>
+              <a:buChar char="•"/>
+            </a:pPr>
+            <a:r>
+              <a:rPr lang="en-US" sz="1200">
+                <a:latin typeface="Aptos"/>
+                <a:ea typeface="+mn-lt"/>
+                <a:cs typeface="+mn-lt"/>
+              </a:rPr>
+              <a:t>Project retrospective and continuous improvement</a:t>
+            </a:r>
+            <a:endParaRPr lang="en-US">
+              <a:latin typeface="Calibri"/>
+              <a:ea typeface="+mn-lt"/>
+              <a:cs typeface="+mn-lt"/>
+            </a:endParaRPr>
+          </a:p>
+        </p:txBody>
+      </p:sp>
+    </p:spTree>
+    <p:extLst>
+      <p:ext uri="{BB962C8B-B14F-4D97-AF65-F5344CB8AC3E}">
+        <p14:creationId xmlns:p14="http://schemas.microsoft.com/office/powerpoint/2010/main" val="3282968915"/>
+      </p:ext>
+    </p:extLst>
+  </p:cSld>
+  <p:clrMapOvr>
+    <a:masterClrMapping/>
+  </p:clrMapOvr>
+</p:sld>
+</file>
+
+<file path=ppt/slides/slide22.xml><?xml version="1.0" encoding="utf-8"?>
 <p:sld xmlns:a="http://schemas.openxmlformats.org/drawingml/2006/main" xmlns:r="http://schemas.openxmlformats.org/officeDocument/2006/relationships" xmlns:p="http://schemas.openxmlformats.org/presentationml/2006/main">
   <p:cSld>
     <p:spTree>

--- a/docs/mse800_assess2.pptx
+++ b/docs/mse800_assess2.pptx
@@ -150,8 +150,7 @@
 <file path=ppt/revisionInfo.xml><?xml version="1.0" encoding="utf-8"?>
 <p1510:revInfo xmlns:a="http://schemas.openxmlformats.org/drawingml/2006/main" xmlns:r="http://schemas.openxmlformats.org/officeDocument/2006/relationships" xmlns:p1510="http://schemas.microsoft.com/office/powerpoint/2015/10/main">
   <p1510:revLst>
-    <p1510:client id="{1F40D8ED-0E8C-5841-1814-2F9D8CFD81FF}" v="2862" dt="2024-10-29T04:56:51.540"/>
-    <p1510:client id="{FC8E56B6-FB8B-CC58-22AF-6B0336DAB8DB}" v="612" dt="2024-10-27T04:57:27.408"/>
+    <p1510:client id="{1F40D8ED-0E8C-5841-1814-2F9D8CFD81FF}" v="2896" dt="2024-10-29T05:24:44.709"/>
   </p1510:revLst>
 </p1510:revInfo>
 </file>
@@ -16178,7 +16177,7 @@
               <a:rPr lang="en-US" sz="1100" b="1">
                 <a:latin typeface="Aptos"/>
               </a:rPr>
-              <a:t>Development Costs:</a:t>
+              <a:t>Development Costs: $31,500 - $65,000</a:t>
             </a:r>
             <a:endParaRPr lang="en-US" sz="1100" b="1" dirty="0">
               <a:latin typeface="Aptos"/>
@@ -16242,7 +16241,7 @@
                 <a:ea typeface="Calibri"/>
                 <a:cs typeface="Calibri"/>
               </a:rPr>
-              <a:t>Infrastructure &amp; Licensing Costs:</a:t>
+              <a:t>Infrastructure &amp; Licensing Costs: $3,000 - $12,500</a:t>
             </a:r>
           </a:p>
           <a:p>
@@ -16282,7 +16281,7 @@
                 <a:ea typeface="Calibri"/>
                 <a:cs typeface="Calibri"/>
               </a:rPr>
-              <a:t>Operational Costs:</a:t>
+              <a:t>Operational Costs: $26,000 - $66,000</a:t>
             </a:r>
           </a:p>
           <a:p>
@@ -16521,7 +16520,7 @@
                 <a:ea typeface="Calibri"/>
                 <a:cs typeface="Calibri"/>
               </a:rPr>
-              <a:t>Initial Development &amp; Setup Costs: $36,000 - $81,000</a:t>
+              <a:t>Initial Development &amp; Setup Costs: $35,000 - $78,000</a:t>
             </a:r>
           </a:p>
           <a:p>
